--- a/docs/led_control/images/figure.pptx
+++ b/docs/led_control/images/figure.pptx
@@ -246,7 +246,7 @@
           <a:p>
             <a:fld id="{5F888D51-DF0F-6040-829D-8EFF97530DE4}" type="datetimeFigureOut">
               <a:rPr kumimoji="1" lang="ko-KR" altLang="en-US" smtClean="0"/>
-              <a:t>2018. 3. 11.</a:t>
+              <a:t>2019-05-18</a:t>
             </a:fld>
             <a:endParaRPr kumimoji="1" lang="ko-KR" altLang="en-US"/>
           </a:p>
@@ -416,7 +416,7 @@
           <a:p>
             <a:fld id="{5F888D51-DF0F-6040-829D-8EFF97530DE4}" type="datetimeFigureOut">
               <a:rPr kumimoji="1" lang="ko-KR" altLang="en-US" smtClean="0"/>
-              <a:t>2018. 3. 11.</a:t>
+              <a:t>2019-05-18</a:t>
             </a:fld>
             <a:endParaRPr kumimoji="1" lang="ko-KR" altLang="en-US"/>
           </a:p>
@@ -596,7 +596,7 @@
           <a:p>
             <a:fld id="{5F888D51-DF0F-6040-829D-8EFF97530DE4}" type="datetimeFigureOut">
               <a:rPr kumimoji="1" lang="ko-KR" altLang="en-US" smtClean="0"/>
-              <a:t>2018. 3. 11.</a:t>
+              <a:t>2019-05-18</a:t>
             </a:fld>
             <a:endParaRPr kumimoji="1" lang="ko-KR" altLang="en-US"/>
           </a:p>
@@ -766,7 +766,7 @@
           <a:p>
             <a:fld id="{5F888D51-DF0F-6040-829D-8EFF97530DE4}" type="datetimeFigureOut">
               <a:rPr kumimoji="1" lang="ko-KR" altLang="en-US" smtClean="0"/>
-              <a:t>2018. 3. 11.</a:t>
+              <a:t>2019-05-18</a:t>
             </a:fld>
             <a:endParaRPr kumimoji="1" lang="ko-KR" altLang="en-US"/>
           </a:p>
@@ -1012,7 +1012,7 @@
           <a:p>
             <a:fld id="{5F888D51-DF0F-6040-829D-8EFF97530DE4}" type="datetimeFigureOut">
               <a:rPr kumimoji="1" lang="ko-KR" altLang="en-US" smtClean="0"/>
-              <a:t>2018. 3. 11.</a:t>
+              <a:t>2019-05-18</a:t>
             </a:fld>
             <a:endParaRPr kumimoji="1" lang="ko-KR" altLang="en-US"/>
           </a:p>
@@ -1244,7 +1244,7 @@
           <a:p>
             <a:fld id="{5F888D51-DF0F-6040-829D-8EFF97530DE4}" type="datetimeFigureOut">
               <a:rPr kumimoji="1" lang="ko-KR" altLang="en-US" smtClean="0"/>
-              <a:t>2018. 3. 11.</a:t>
+              <a:t>2019-05-18</a:t>
             </a:fld>
             <a:endParaRPr kumimoji="1" lang="ko-KR" altLang="en-US"/>
           </a:p>
@@ -1611,7 +1611,7 @@
           <a:p>
             <a:fld id="{5F888D51-DF0F-6040-829D-8EFF97530DE4}" type="datetimeFigureOut">
               <a:rPr kumimoji="1" lang="ko-KR" altLang="en-US" smtClean="0"/>
-              <a:t>2018. 3. 11.</a:t>
+              <a:t>2019-05-18</a:t>
             </a:fld>
             <a:endParaRPr kumimoji="1" lang="ko-KR" altLang="en-US"/>
           </a:p>
@@ -1729,7 +1729,7 @@
           <a:p>
             <a:fld id="{5F888D51-DF0F-6040-829D-8EFF97530DE4}" type="datetimeFigureOut">
               <a:rPr kumimoji="1" lang="ko-KR" altLang="en-US" smtClean="0"/>
-              <a:t>2018. 3. 11.</a:t>
+              <a:t>2019-05-18</a:t>
             </a:fld>
             <a:endParaRPr kumimoji="1" lang="ko-KR" altLang="en-US"/>
           </a:p>
@@ -1824,7 +1824,7 @@
           <a:p>
             <a:fld id="{5F888D51-DF0F-6040-829D-8EFF97530DE4}" type="datetimeFigureOut">
               <a:rPr kumimoji="1" lang="ko-KR" altLang="en-US" smtClean="0"/>
-              <a:t>2018. 3. 11.</a:t>
+              <a:t>2019-05-18</a:t>
             </a:fld>
             <a:endParaRPr kumimoji="1" lang="ko-KR" altLang="en-US"/>
           </a:p>
@@ -2101,7 +2101,7 @@
           <a:p>
             <a:fld id="{5F888D51-DF0F-6040-829D-8EFF97530DE4}" type="datetimeFigureOut">
               <a:rPr kumimoji="1" lang="ko-KR" altLang="en-US" smtClean="0"/>
-              <a:t>2018. 3. 11.</a:t>
+              <a:t>2019-05-18</a:t>
             </a:fld>
             <a:endParaRPr kumimoji="1" lang="ko-KR" altLang="en-US"/>
           </a:p>
@@ -2354,7 +2354,7 @@
           <a:p>
             <a:fld id="{5F888D51-DF0F-6040-829D-8EFF97530DE4}" type="datetimeFigureOut">
               <a:rPr kumimoji="1" lang="ko-KR" altLang="en-US" smtClean="0"/>
-              <a:t>2018. 3. 11.</a:t>
+              <a:t>2019-05-18</a:t>
             </a:fld>
             <a:endParaRPr kumimoji="1" lang="ko-KR" altLang="en-US"/>
           </a:p>
@@ -2567,7 +2567,7 @@
           <a:p>
             <a:fld id="{5F888D51-DF0F-6040-829D-8EFF97530DE4}" type="datetimeFigureOut">
               <a:rPr kumimoji="1" lang="ko-KR" altLang="en-US" smtClean="0"/>
-              <a:t>2018. 3. 11.</a:t>
+              <a:t>2019-05-18</a:t>
             </a:fld>
             <a:endParaRPr kumimoji="1" lang="ko-KR" altLang="en-US"/>
           </a:p>
